--- a/PYTHON_10_Functions Part 1.pptx
+++ b/PYTHON_10_Functions Part 1.pptx
@@ -284,7 +284,7 @@
           <a:p>
             <a:fld id="{D3853345-A581-455E-9661-1270F4F6E587}" type="datetimeFigureOut">
               <a:rPr lang="en-US" smtClean="0"/>
-              <a:t>6/23/2019</a:t>
+              <a:t>7/18/2019</a:t>
             </a:fld>
             <a:endParaRPr lang="en-US" dirty="0"/>
           </a:p>
@@ -487,7 +487,7 @@
           <a:p>
             <a:fld id="{D3853345-A581-455E-9661-1270F4F6E587}" type="datetimeFigureOut">
               <a:rPr lang="en-US" smtClean="0"/>
-              <a:t>6/23/2019</a:t>
+              <a:t>7/18/2019</a:t>
             </a:fld>
             <a:endParaRPr lang="en-US" dirty="0"/>
           </a:p>
@@ -695,7 +695,7 @@
           <a:p>
             <a:fld id="{D3853345-A581-455E-9661-1270F4F6E587}" type="datetimeFigureOut">
               <a:rPr lang="en-US" smtClean="0"/>
-              <a:t>6/23/2019</a:t>
+              <a:t>7/18/2019</a:t>
             </a:fld>
             <a:endParaRPr lang="en-US" dirty="0"/>
           </a:p>
@@ -893,7 +893,7 @@
           <a:p>
             <a:fld id="{D3853345-A581-455E-9661-1270F4F6E587}" type="datetimeFigureOut">
               <a:rPr lang="en-US" smtClean="0"/>
-              <a:t>6/23/2019</a:t>
+              <a:t>7/18/2019</a:t>
             </a:fld>
             <a:endParaRPr lang="en-US" dirty="0"/>
           </a:p>
@@ -1168,7 +1168,7 @@
           <a:p>
             <a:fld id="{D3853345-A581-455E-9661-1270F4F6E587}" type="datetimeFigureOut">
               <a:rPr lang="en-US" smtClean="0"/>
-              <a:t>6/23/2019</a:t>
+              <a:t>7/18/2019</a:t>
             </a:fld>
             <a:endParaRPr lang="en-US" dirty="0"/>
           </a:p>
@@ -1433,7 +1433,7 @@
           <a:p>
             <a:fld id="{D3853345-A581-455E-9661-1270F4F6E587}" type="datetimeFigureOut">
               <a:rPr lang="en-US" smtClean="0"/>
-              <a:t>6/23/2019</a:t>
+              <a:t>7/18/2019</a:t>
             </a:fld>
             <a:endParaRPr lang="en-US" dirty="0"/>
           </a:p>
@@ -1845,7 +1845,7 @@
           <a:p>
             <a:fld id="{D3853345-A581-455E-9661-1270F4F6E587}" type="datetimeFigureOut">
               <a:rPr lang="en-US" smtClean="0"/>
-              <a:t>6/23/2019</a:t>
+              <a:t>7/18/2019</a:t>
             </a:fld>
             <a:endParaRPr lang="en-US" dirty="0"/>
           </a:p>
@@ -1986,7 +1986,7 @@
           <a:p>
             <a:fld id="{D3853345-A581-455E-9661-1270F4F6E587}" type="datetimeFigureOut">
               <a:rPr lang="en-US" smtClean="0"/>
-              <a:t>6/23/2019</a:t>
+              <a:t>7/18/2019</a:t>
             </a:fld>
             <a:endParaRPr lang="en-US" dirty="0"/>
           </a:p>
@@ -2099,7 +2099,7 @@
           <a:p>
             <a:fld id="{D3853345-A581-455E-9661-1270F4F6E587}" type="datetimeFigureOut">
               <a:rPr lang="en-US" smtClean="0"/>
-              <a:t>6/23/2019</a:t>
+              <a:t>7/18/2019</a:t>
             </a:fld>
             <a:endParaRPr lang="en-US" dirty="0"/>
           </a:p>
@@ -2415,7 +2415,7 @@
           <a:p>
             <a:fld id="{D3853345-A581-455E-9661-1270F4F6E587}" type="datetimeFigureOut">
               <a:rPr lang="en-US" smtClean="0"/>
-              <a:t>6/23/2019</a:t>
+              <a:t>7/18/2019</a:t>
             </a:fld>
             <a:endParaRPr lang="en-US" dirty="0"/>
           </a:p>
@@ -2708,7 +2708,7 @@
           <a:p>
             <a:fld id="{D3853345-A581-455E-9661-1270F4F6E587}" type="datetimeFigureOut">
               <a:rPr lang="en-US" smtClean="0"/>
-              <a:t>6/23/2019</a:t>
+              <a:t>7/18/2019</a:t>
             </a:fld>
             <a:endParaRPr lang="en-US" dirty="0"/>
           </a:p>
@@ -2949,7 +2949,7 @@
           <a:p>
             <a:fld id="{D3853345-A581-455E-9661-1270F4F6E587}" type="datetimeFigureOut">
               <a:rPr lang="en-US" smtClean="0"/>
-              <a:t>6/23/2019</a:t>
+              <a:t>7/18/2019</a:t>
             </a:fld>
             <a:endParaRPr lang="en-US" dirty="0"/>
           </a:p>
@@ -3705,7 +3705,19 @@
             </a:pPr>
             <a:r>
               <a:rPr lang="en-US" sz="3600" dirty="0"/>
-              <a:t>    –For example: “def main():” and the lines of code that are indented inside of def main(): </a:t>
+              <a:t>    –For example: </a:t>
+            </a:r>
+            <a:r>
+              <a:rPr lang="en-US" sz="3600" b="1" dirty="0"/>
+              <a:t>def main(): </a:t>
+            </a:r>
+            <a:r>
+              <a:rPr lang="en-US" sz="3600" dirty="0"/>
+              <a:t>and the lines of code that are indented inside of </a:t>
+            </a:r>
+            <a:r>
+              <a:rPr lang="en-US" sz="3600" b="1" dirty="0"/>
+              <a:t>def main(): </a:t>
             </a:r>
           </a:p>
           <a:p>
@@ -3732,7 +3744,19 @@
             </a:pPr>
             <a:r>
               <a:rPr lang="en-US" sz="3600" dirty="0"/>
-              <a:t>   –For example: “main()” or “print("Hello")”</a:t>
+              <a:t>   –For example: </a:t>
+            </a:r>
+            <a:r>
+              <a:rPr lang="en-US" sz="3600" b="1" dirty="0"/>
+              <a:t>main() </a:t>
+            </a:r>
+            <a:r>
+              <a:rPr lang="en-US" sz="3600" dirty="0"/>
+              <a:t>or </a:t>
+            </a:r>
+            <a:r>
+              <a:rPr lang="en-US" sz="3600" b="1" dirty="0"/>
+              <a:t>print("Hello")</a:t>
             </a:r>
           </a:p>
           <a:p>
@@ -3800,7 +3824,7 @@
           <a:lstStyle/>
           <a:p>
             <a:r>
-              <a:rPr lang="en-US" dirty="0"/>
+              <a:rPr lang="en-US" b="1" dirty="0"/>
               <a:t>Function Example</a:t>
             </a:r>
           </a:p>
@@ -3889,8 +3913,16 @@
               <a:buNone/>
             </a:pPr>
             <a:r>
+              <a:rPr lang="en-US" dirty="0">
+                <a:solidFill>
+                  <a:srgbClr val="0070C0"/>
+                </a:solidFill>
+              </a:rPr>
+              <a:t>def</a:t>
+            </a:r>
+            <a:r>
               <a:rPr lang="en-US" dirty="0"/>
-              <a:t>def </a:t>
+              <a:t> </a:t>
             </a:r>
             <a:r>
               <a:rPr lang="en-US" dirty="0" err="1"/>
@@ -3907,7 +3939,19 @@
             </a:pPr>
             <a:r>
               <a:rPr lang="en-US" dirty="0"/>
-              <a:t>	print “Hello World. Its me.”</a:t>
+              <a:t>	</a:t>
+            </a:r>
+            <a:r>
+              <a:rPr lang="en-US" dirty="0">
+                <a:solidFill>
+                  <a:srgbClr val="FF0000"/>
+                </a:solidFill>
+              </a:rPr>
+              <a:t>print</a:t>
+            </a:r>
+            <a:r>
+              <a:rPr lang="en-US" dirty="0"/>
+              <a:t> (“Hello World. Its me.”)</a:t>
             </a:r>
           </a:p>
           <a:p>
@@ -3933,6 +3977,16 @@
             <a:pPr marL="0" indent="0">
               <a:buNone/>
             </a:pPr>
+            <a:endParaRPr lang="en-US" dirty="0"/>
+          </a:p>
+          <a:p>
+            <a:pPr marL="0" indent="0">
+              <a:buNone/>
+            </a:pPr>
+            <a:r>
+              <a:rPr lang="en-US" b="1" dirty="0"/>
+              <a:t>Output:  </a:t>
+            </a:r>
             <a:r>
               <a:rPr lang="en-US" dirty="0"/>
               <a:t>Hello World. Its me.</a:t>
@@ -4119,7 +4173,7 @@
             </a:pPr>
             <a:r>
               <a:rPr lang="en-US" sz="3200" dirty="0"/>
-              <a:t>     –Even if they have the same name as variables that appear outside </a:t>
+              <a:t>     –Even if they have the same name as variables that appear outside that function </a:t>
             </a:r>
           </a:p>
           <a:p>
@@ -4128,24 +4182,7 @@
             </a:pPr>
             <a:r>
               <a:rPr lang="en-US" sz="3200" dirty="0"/>
-              <a:t>        that function </a:t>
-            </a:r>
-          </a:p>
-          <a:p>
-            <a:pPr marL="0" indent="0">
-              <a:buNone/>
-            </a:pPr>
-            <a:r>
-              <a:rPr lang="en-US" sz="3200" dirty="0"/>
-              <a:t>• The </a:t>
-            </a:r>
-            <a:r>
-              <a:rPr lang="en-US" sz="3200" dirty="0" err="1"/>
-              <a:t>onlyway</a:t>
-            </a:r>
-            <a:r>
-              <a:rPr lang="en-US" sz="3200" dirty="0"/>
-              <a:t> for a function to see a variable from another function is for that variable to be passed in as a parameter</a:t>
+              <a:t>• The only way for a function to see a variable from another function is for that variable to be passed in as a parameter</a:t>
             </a:r>
           </a:p>
           <a:p>
@@ -6290,7 +6327,9 @@
         </p:nvSpPr>
         <p:spPr/>
         <p:txBody>
-          <a:bodyPr/>
+          <a:bodyPr>
+            <a:normAutofit lnSpcReduction="10000"/>
+          </a:bodyPr>
           <a:lstStyle/>
           <a:p>
             <a:pPr marL="0" indent="0">
@@ -6316,7 +6355,16 @@
             </a:pPr>
             <a:r>
               <a:rPr lang="en-US" sz="3600" dirty="0"/>
-              <a:t>    –For example: print(), input(), casting, etc. </a:t>
+              <a:t>    –For example: print(), input(), casting functions such</a:t>
+            </a:r>
+          </a:p>
+          <a:p>
+            <a:pPr marL="0" indent="0">
+              <a:buNone/>
+            </a:pPr>
+            <a:r>
+              <a:rPr lang="en-US" sz="3600" dirty="0"/>
+              <a:t>      as int() or float() or str(), etc. </a:t>
             </a:r>
           </a:p>
           <a:p>
@@ -6767,7 +6815,12 @@
             <p:ph idx="1"/>
           </p:nvPr>
         </p:nvSpPr>
-        <p:spPr/>
+        <p:spPr>
+          <a:xfrm>
+            <a:off x="838200" y="1839693"/>
+            <a:ext cx="10515600" cy="4351338"/>
+          </a:xfrm>
+        </p:spPr>
         <p:txBody>
           <a:bodyPr>
             <a:normAutofit fontScale="92500" lnSpcReduction="10000"/>
